--- a/Characterization of Disease Resistance Loci in the USDA.pptx
+++ b/Characterization of Disease Resistance Loci in the USDA.pptx
@@ -3416,63 +3416,75 @@
         </p:nvSpPr>
         <p:spPr>
           <a:xfrm>
-            <a:off x="980902" y="2677738"/>
+            <a:off x="989214" y="2220538"/>
             <a:ext cx="9692640" cy="3639935"/>
           </a:xfrm>
         </p:spPr>
         <p:txBody>
           <a:bodyPr>
-            <a:normAutofit fontScale="70000" lnSpcReduction="20000"/>
+            <a:normAutofit/>
           </a:bodyPr>
           <a:lstStyle/>
           <a:p>
             <a:pPr fontAlgn="base"/>
             <a:r>
+              <a:rPr lang="en-US" dirty="0" smtClean="0"/>
+              <a:t>Genome </a:t>
+            </a:r>
+            <a:r>
               <a:rPr lang="en-US" dirty="0"/>
-              <a:t>GAPIT – Genome Association and Prediction Integrated Tool – is an R package that performs Genome Wide Association Study (GWAS) and genome prediction (or selection). This program uses state-of-the-art methods developed for statistical genetics, such as the unified mixed model, EMMA, the compressed mixed linear model, and P3D/</a:t>
-            </a:r>
-            <a:r>
-              <a:rPr lang="en-US" dirty="0" err="1"/>
-              <a:t>EMMAx</a:t>
-            </a:r>
-            <a:r>
-              <a:rPr lang="en-US" dirty="0" smtClean="0"/>
-              <a:t>.</a:t>
-            </a:r>
-            <a:endParaRPr lang="en-US" dirty="0"/>
-          </a:p>
-          <a:p>
-            <a:pPr fontAlgn="base"/>
+              <a:t>Association and Prediction Integrated </a:t>
+            </a:r>
+            <a:r>
+              <a:rPr lang="en-US" dirty="0" smtClean="0"/>
+              <a:t>Tool</a:t>
+            </a:r>
+          </a:p>
+          <a:p>
+            <a:pPr lvl="1" fontAlgn="base"/>
+            <a:r>
+              <a:rPr lang="en-US" dirty="0" smtClean="0"/>
+              <a:t>R </a:t>
+            </a:r>
             <a:r>
               <a:rPr lang="en-US" dirty="0"/>
-              <a:t>The Mixed Linear Model (MLM) is one of the most effective methods for controlling false positives in GWAS. This model simultaneously incorporates both population structure and cryptic relationship (</a:t>
-            </a:r>
-            <a:r>
-              <a:rPr lang="en-US" dirty="0">
-                <a:hlinkClick r:id="rId2"/>
-              </a:rPr>
-              <a:t>Yu et al. Nature Genetics, 2006, 38: 203-208</a:t>
+              <a:t>package that performs Genome Wide Association Study (GWAS) and genome prediction (or selection). </a:t>
+            </a:r>
+            <a:endParaRPr lang="en-US" dirty="0" smtClean="0"/>
+          </a:p>
+          <a:p>
+            <a:pPr lvl="1" fontAlgn="base"/>
+            <a:r>
+              <a:rPr lang="en-US" dirty="0" smtClean="0"/>
+              <a:t>Mixed </a:t>
             </a:r>
             <a:r>
               <a:rPr lang="en-US" dirty="0"/>
-              <a:t>). Compressed Mixed Linear Model (CMLM) boosts statistical power and dramatically reduces computational time on large samples by clustering individuals into groups (</a:t>
-            </a:r>
-            <a:r>
-              <a:rPr lang="en-US" dirty="0">
-                <a:hlinkClick r:id="rId3"/>
-              </a:rPr>
-              <a:t>Zhang et al, Nature Genetics, 2010, 42(4): 355–360</a:t>
-            </a:r>
-            <a:r>
-              <a:rPr lang="en-US" dirty="0" smtClean="0"/>
-              <a:t>).</a:t>
-            </a:r>
-          </a:p>
-          <a:p>
-            <a:pPr fontAlgn="base"/>
-            <a:r>
-              <a:rPr lang="en-US" dirty="0" smtClean="0"/>
-              <a:t>The use of R packages and R in general within plant breeding. Plant breeding relies heavily on statistics and thus many bioinformatics tools are based on R, a big player in statistical software. R is intuitive and using packages such as GAPIT is easy compared to other languages.</a:t>
+              <a:t>Linear Model (MLM) is one of the most effective methods for controlling false positives in GWAS. </a:t>
+            </a:r>
+            <a:endParaRPr lang="en-US" dirty="0" smtClean="0"/>
+          </a:p>
+          <a:p>
+            <a:pPr lvl="1" fontAlgn="base"/>
+            <a:r>
+              <a:rPr lang="en-US" dirty="0" smtClean="0"/>
+              <a:t>Plant breeding loves R </a:t>
+            </a:r>
+            <a:r>
+              <a:rPr lang="en-US" dirty="0" smtClean="0"/>
+              <a:t>packages </a:t>
+            </a:r>
+            <a:endParaRPr lang="en-US" dirty="0" smtClean="0"/>
+          </a:p>
+          <a:p>
+            <a:pPr lvl="1" fontAlgn="base"/>
+            <a:r>
+              <a:rPr lang="en-US" dirty="0" smtClean="0"/>
+              <a:t>R </a:t>
+            </a:r>
+            <a:r>
+              <a:rPr lang="en-US" dirty="0" smtClean="0"/>
+              <a:t>is intuitive and using packages such as GAPIT is easy compared to other languages.</a:t>
             </a:r>
             <a:endParaRPr lang="en-US" dirty="0"/>
           </a:p>
@@ -3490,7 +3502,7 @@
           <p:nvPr/>
         </p:nvPicPr>
         <p:blipFill>
-          <a:blip r:embed="rId4">
+          <a:blip r:embed="rId2">
             <a:extLst>
               <a:ext uri="{28A0092B-C50C-407E-A947-70E740481C1C}">
                 <a14:useLocalDpi xmlns:a14="http://schemas.microsoft.com/office/drawing/2010/main" val="0"/>
@@ -3692,7 +3704,7 @@
         </p:nvSpPr>
         <p:spPr>
           <a:xfrm>
-            <a:off x="4414058" y="0"/>
+            <a:off x="4835237" y="0"/>
             <a:ext cx="3297382" cy="1325563"/>
           </a:xfrm>
         </p:spPr>
@@ -3726,25 +3738,23 @@
         </p:spPr>
         <p:txBody>
           <a:bodyPr>
-            <a:normAutofit fontScale="85000" lnSpcReduction="20000"/>
+            <a:normAutofit/>
           </a:bodyPr>
           <a:lstStyle/>
           <a:p>
             <a:r>
               <a:rPr lang="en-US" dirty="0" smtClean="0"/>
-              <a:t>All but 3 of the genes reported by Chang et al. 2016 were confirmed</a:t>
-            </a:r>
-          </a:p>
-          <a:p>
-            <a:r>
-              <a:rPr lang="en-US" dirty="0" smtClean="0"/>
-              <a:t>We found two genes that were not reported by Chang et al. 2016</a:t>
-            </a:r>
-          </a:p>
-          <a:p>
-            <a:r>
-              <a:rPr lang="en-US" dirty="0" smtClean="0"/>
-              <a:t>The differences are likely due to MAF thresholds</a:t>
+              <a:t>Found 35 candidate genes</a:t>
+            </a:r>
+          </a:p>
+          <a:p>
+            <a:r>
+              <a:rPr lang="en-US" dirty="0" smtClean="0"/>
+              <a:t>The </a:t>
+            </a:r>
+            <a:r>
+              <a:rPr lang="en-US" dirty="0" smtClean="0"/>
+              <a:t>differences are likely due to MAF thresholds</a:t>
             </a:r>
           </a:p>
           <a:p>
@@ -3758,23 +3768,16 @@
             <a:pPr lvl="1"/>
             <a:r>
               <a:rPr lang="en-US" dirty="0" smtClean="0"/>
-              <a:t>We were too lazy to do this</a:t>
-            </a:r>
-          </a:p>
-          <a:p>
-            <a:pPr lvl="1"/>
+              <a:t>Williams_82_v1 </a:t>
+            </a:r>
             <a:r>
               <a:rPr lang="en-US" dirty="0"/>
-              <a:t>Williams_82_v1 used </a:t>
-            </a:r>
-            <a:r>
-              <a:rPr lang="en-US" dirty="0" smtClean="0"/>
-              <a:t>by Chang et al. 2016, our analysis used the updated Williams_82_v2 genome construction</a:t>
-            </a:r>
-            <a:endParaRPr lang="en-US" dirty="0"/>
-          </a:p>
-          <a:p>
-            <a:endParaRPr lang="en-US" dirty="0" smtClean="0"/>
+              <a:t>used </a:t>
+            </a:r>
+            <a:r>
+              <a:rPr lang="en-US" dirty="0" smtClean="0"/>
+              <a:t>by Chang et al. 2016, </a:t>
+            </a:r>
           </a:p>
         </p:txBody>
       </p:sp>
@@ -3788,7 +3791,7 @@
         </p:nvSpPr>
         <p:spPr>
           <a:xfrm>
-            <a:off x="7165571" y="1690688"/>
+            <a:off x="7148945" y="1825625"/>
             <a:ext cx="3767050" cy="4351338"/>
           </a:xfrm>
           <a:prstGeom prst="rect">
@@ -3797,7 +3800,7 @@
         </p:spPr>
         <p:txBody>
           <a:bodyPr vert="horz" lIns="91440" tIns="45720" rIns="91440" bIns="45720" rtlCol="0">
-            <a:normAutofit/>
+            <a:normAutofit fontScale="92500"/>
           </a:bodyPr>
           <a:lstStyle>
             <a:lvl1pPr marL="228600" indent="-228600" algn="l" defTabSz="914400" rtl="0" eaLnBrk="1" latinLnBrk="0" hangingPunct="1">
@@ -3966,7 +3969,13 @@
           <a:p>
             <a:r>
               <a:rPr lang="en-US" dirty="0" smtClean="0"/>
-              <a:t>9999 genes confirmed</a:t>
+              <a:t>33 genes confirmed</a:t>
+            </a:r>
+          </a:p>
+          <a:p>
+            <a:r>
+              <a:rPr lang="en-US" dirty="0"/>
+              <a:t>All but 3 of the genes reported by Chang et al. 2016 were confirmed</a:t>
             </a:r>
           </a:p>
           <a:p>
@@ -3980,6 +3989,14 @@
               <a:rPr lang="en-US" dirty="0" smtClean="0"/>
               <a:t>Used a MAF of…</a:t>
             </a:r>
+          </a:p>
+          <a:p>
+            <a:r>
+              <a:rPr lang="en-US" dirty="0"/>
+              <a:t>our analysis used the updated Williams_82_v2 genome construction</a:t>
+            </a:r>
+          </a:p>
+          <a:p>
             <a:endParaRPr lang="en-US" dirty="0" smtClean="0"/>
           </a:p>
         </p:txBody>
@@ -4075,8 +4092,8 @@
           </a:lstStyle>
           <a:p>
             <a:r>
-              <a:rPr lang="en-US" sz="3200" dirty="0" err="1" smtClean="0"/>
-              <a:t>Undercaffinated</a:t>
+              <a:rPr lang="en-US" sz="3200" dirty="0" smtClean="0"/>
+              <a:t>Under-caffeinated</a:t>
             </a:r>
             <a:endParaRPr lang="en-US" sz="3200" dirty="0"/>
           </a:p>
@@ -4136,15 +4153,15 @@
               <a:rPr lang="en-US" dirty="0" smtClean="0"/>
             </a:br>
             <a:r>
-              <a:rPr lang="en-US" dirty="0" smtClean="0"/>
+              <a:rPr lang="en-US" sz="3600" dirty="0" smtClean="0"/>
               <a:t>Northern </a:t>
             </a:r>
             <a:r>
-              <a:rPr lang="en-US" dirty="0" err="1" smtClean="0"/>
+              <a:rPr lang="en-US" sz="3600" dirty="0" err="1" smtClean="0"/>
               <a:t>Diaporthe</a:t>
             </a:r>
             <a:r>
-              <a:rPr lang="en-US" dirty="0" smtClean="0"/>
+              <a:rPr lang="en-US" sz="3600" dirty="0" smtClean="0"/>
               <a:t> stem canker resistance </a:t>
             </a:r>
             <a:endParaRPr lang="en-US" dirty="0"/>
@@ -7071,7 +7088,7 @@
         </p:spPr>
         <p:txBody>
           <a:bodyPr>
-            <a:normAutofit fontScale="92500" lnSpcReduction="10000"/>
+            <a:normAutofit fontScale="92500" lnSpcReduction="20000"/>
           </a:bodyPr>
           <a:lstStyle/>
           <a:p>
@@ -7102,10 +7119,15 @@
             </a:r>
           </a:p>
           <a:p>
-            <a:pPr lvl="1"/>
             <a:r>
               <a:rPr lang="en-US" dirty="0" smtClean="0"/>
               <a:t>This data dates back to 1964</a:t>
+            </a:r>
+          </a:p>
+          <a:p>
+            <a:r>
+              <a:rPr lang="en-US" dirty="0" smtClean="0"/>
+              <a:t>Qualitative measurements</a:t>
             </a:r>
             <a:endParaRPr lang="en-US" dirty="0"/>
           </a:p>
